--- a/img/homo.pptx
+++ b/img/homo.pptx
@@ -151,7 +151,7 @@
       </p14:sectionLst>
     </p:ext>
     <p:ext uri="{EFAFB233-063F-42B5-8137-9DF3F51BA10A}">
-      <p15:sldGuideLst xmlns:p15="http://schemas.microsoft.com/office/powerpoint/2012/main" xmlns="">
+      <p15:sldGuideLst xmlns="" xmlns:p15="http://schemas.microsoft.com/office/powerpoint/2012/main">
         <p15:guide id="1" orient="horz" pos="2160">
           <p15:clr>
             <a:srgbClr val="A4A3A4"/>
@@ -165,7 +165,7 @@
       </p15:sldGuideLst>
     </p:ext>
     <p:ext uri="{2D200454-40CA-4A62-9FC3-DE9A4176ACB9}">
-      <p15:notesGuideLst xmlns:p15="http://schemas.microsoft.com/office/powerpoint/2012/main" xmlns="">
+      <p15:notesGuideLst xmlns="" xmlns:p15="http://schemas.microsoft.com/office/powerpoint/2012/main">
         <p15:guide id="1" orient="horz" pos="3223">
           <p15:clr>
             <a:srgbClr val="A4A3A4"/>
@@ -1960,7 +1960,7 @@
             <p:spPr>
               <a:xfrm>
                 <a:off x="846666" y="2277988"/>
-                <a:ext cx="719254" cy="228183"/>
+                <a:ext cx="637437" cy="205100"/>
               </a:xfrm>
               <a:prstGeom prst="rect">
                 <a:avLst/>
@@ -1987,7 +1987,7 @@
                       <m:sSub>
                         <m:sSubPr>
                           <m:ctrlPr>
-                            <a:rPr lang="en-US" altLang="ja-JP" sz="1200" b="0" i="1" smtClean="0">
+                            <a:rPr lang="en-US" altLang="ja-JP" sz="1050" b="0" i="1" smtClean="0">
                               <a:latin typeface="Cambria Math"/>
                               <a:ea typeface="HG丸ｺﾞｼｯｸM-PRO" panose="020F0600000000000000" pitchFamily="50" charset="-128"/>
                               <a:cs typeface="Courier New" pitchFamily="49" charset="0"/>
@@ -1996,7 +1996,7 @@
                         </m:sSubPr>
                         <m:e>
                           <m:r>
-                            <a:rPr lang="en-US" altLang="ja-JP" sz="1200" b="0" i="1" smtClean="0">
+                            <a:rPr lang="en-US" altLang="ja-JP" sz="1050" b="0" i="1" smtClean="0">
                               <a:latin typeface="Cambria Math"/>
                               <a:ea typeface="HG丸ｺﾞｼｯｸM-PRO" panose="020F0600000000000000" pitchFamily="50" charset="-128"/>
                               <a:cs typeface="Courier New" pitchFamily="49" charset="0"/>
@@ -2006,7 +2006,7 @@
                         </m:e>
                         <m:sub>
                           <m:r>
-                            <a:rPr lang="en-US" altLang="ja-JP" sz="1200" b="0" i="1" smtClean="0">
+                            <a:rPr lang="en-US" altLang="ja-JP" sz="1050" b="0" i="1" smtClean="0">
                               <a:latin typeface="Cambria Math"/>
                               <a:ea typeface="HG丸ｺﾞｼｯｸM-PRO" panose="020F0600000000000000" pitchFamily="50" charset="-128"/>
                               <a:cs typeface="Courier New" pitchFamily="49" charset="0"/>
@@ -2016,7 +2016,7 @@
                         </m:sub>
                       </m:sSub>
                       <m:r>
-                        <a:rPr lang="en-US" altLang="ja-JP" sz="1200" b="0" i="1" smtClean="0">
+                        <a:rPr lang="en-US" altLang="ja-JP" sz="1050" b="0" i="1" smtClean="0">
                           <a:latin typeface="Cambria Math"/>
                           <a:ea typeface="HG丸ｺﾞｼｯｸM-PRO" panose="020F0600000000000000" pitchFamily="50" charset="-128"/>
                           <a:cs typeface="Courier New" pitchFamily="49" charset="0"/>
@@ -2026,7 +2026,7 @@
                       <m:sSub>
                         <m:sSubPr>
                           <m:ctrlPr>
-                            <a:rPr lang="en-US" altLang="ja-JP" sz="1200" b="0" i="1" smtClean="0">
+                            <a:rPr lang="en-US" altLang="ja-JP" sz="1050" b="0" i="1" smtClean="0">
                               <a:latin typeface="Cambria Math"/>
                               <a:ea typeface="HG丸ｺﾞｼｯｸM-PRO" panose="020F0600000000000000" pitchFamily="50" charset="-128"/>
                               <a:cs typeface="Courier New" pitchFamily="49" charset="0"/>
@@ -2035,7 +2035,7 @@
                         </m:sSubPr>
                         <m:e>
                           <m:r>
-                            <a:rPr lang="en-US" altLang="ja-JP" sz="1200" b="0" i="1" smtClean="0">
+                            <a:rPr lang="en-US" altLang="ja-JP" sz="1050" b="0" i="1" smtClean="0">
                               <a:latin typeface="Cambria Math"/>
                               <a:ea typeface="HG丸ｺﾞｼｯｸM-PRO" panose="020F0600000000000000" pitchFamily="50" charset="-128"/>
                               <a:cs typeface="Courier New" pitchFamily="49" charset="0"/>
@@ -2045,7 +2045,7 @@
                         </m:e>
                         <m:sub>
                           <m:r>
-                            <a:rPr lang="en-US" altLang="ja-JP" sz="1200" b="0" i="1" smtClean="0">
+                            <a:rPr lang="en-US" altLang="ja-JP" sz="1050" b="0" i="1" smtClean="0">
                               <a:latin typeface="Cambria Math"/>
                               <a:ea typeface="HG丸ｺﾞｼｯｸM-PRO" panose="020F0600000000000000" pitchFamily="50" charset="-128"/>
                               <a:cs typeface="Courier New" pitchFamily="49" charset="0"/>
@@ -2057,7 +2057,7 @@
                     </m:oMath>
                   </m:oMathPara>
                 </a14:m>
-                <a:endParaRPr lang="ja-JP" altLang="en-US" sz="1200">
+                <a:endParaRPr lang="ja-JP" altLang="en-US" sz="1050">
                   <a:latin typeface="HG丸ｺﾞｼｯｸM-PRO" panose="020F0600000000000000" pitchFamily="50" charset="-128"/>
                   <a:ea typeface="HG丸ｺﾞｼｯｸM-PRO" panose="020F0600000000000000" pitchFamily="50" charset="-128"/>
                   <a:cs typeface="Courier New" pitchFamily="49" charset="0"/>
@@ -2078,7 +2078,7 @@
             <p:spPr>
               <a:xfrm>
                 <a:off x="846666" y="2277988"/>
-                <a:ext cx="719254" cy="228183"/>
+                <a:ext cx="637437" cy="205100"/>
               </a:xfrm>
               <a:prstGeom prst="rect">
                 <a:avLst/>
@@ -2086,7 +2086,7 @@
               <a:blipFill rotWithShape="1">
                 <a:blip r:embed="rId2"/>
                 <a:stretch>
-                  <a:fillRect b="-5405"/>
+                  <a:fillRect b="-6061"/>
                 </a:stretch>
               </a:blipFill>
               <a:ln w="19050" cap="rnd">
@@ -2152,7 +2152,7 @@
           <a:lstStyle/>
           <a:p>
             <a:pPr algn="ctr"/>
-            <a:endParaRPr kumimoji="1" lang="ja-JP" altLang="en-US" sz="1200">
+            <a:endParaRPr kumimoji="1" lang="ja-JP" altLang="en-US" sz="1050">
               <a:solidFill>
                 <a:srgbClr val="000000"/>
               </a:solidFill>
@@ -2162,8 +2162,8 @@
           </a:p>
         </p:txBody>
       </p:sp>
-      <mc:AlternateContent xmlns:mc="http://schemas.openxmlformats.org/markup-compatibility/2006" xmlns:a14="http://schemas.microsoft.com/office/drawing/2010/main">
-        <mc:Choice Requires="a14">
+      <mc:AlternateContent xmlns:mc="http://schemas.openxmlformats.org/markup-compatibility/2006">
+        <mc:Choice xmlns:a14="http://schemas.microsoft.com/office/drawing/2010/main" Requires="a14">
           <p:sp>
             <p:nvSpPr>
               <p:cNvPr id="34" name="テキスト ボックス 33"/>
@@ -2173,7 +2173,7 @@
             <p:spPr>
               <a:xfrm>
                 <a:off x="654745" y="1185709"/>
-                <a:ext cx="335111" cy="228183"/>
+                <a:ext cx="302666" cy="205100"/>
               </a:xfrm>
               <a:prstGeom prst="rect">
                 <a:avLst/>
@@ -2200,7 +2200,7 @@
                       <m:sSub>
                         <m:sSubPr>
                           <m:ctrlPr>
-                            <a:rPr lang="en-US" altLang="ja-JP" sz="1200" b="0" i="1" smtClean="0">
+                            <a:rPr lang="en-US" altLang="ja-JP" sz="1050" b="0" i="1" smtClean="0">
                               <a:latin typeface="Cambria Math"/>
                               <a:ea typeface="HG丸ｺﾞｼｯｸM-PRO" panose="020F0600000000000000" pitchFamily="50" charset="-128"/>
                               <a:cs typeface="Courier New" pitchFamily="49" charset="0"/>
@@ -2209,7 +2209,7 @@
                         </m:sSubPr>
                         <m:e>
                           <m:r>
-                            <a:rPr lang="en-US" altLang="ja-JP" sz="1200" b="0" i="1" smtClean="0">
+                            <a:rPr lang="en-US" altLang="ja-JP" sz="1050" b="0" i="1" smtClean="0">
                               <a:latin typeface="Cambria Math"/>
                               <a:ea typeface="HG丸ｺﾞｼｯｸM-PRO" panose="020F0600000000000000" pitchFamily="50" charset="-128"/>
                               <a:cs typeface="Courier New" pitchFamily="49" charset="0"/>
@@ -2219,7 +2219,7 @@
                         </m:e>
                         <m:sub>
                           <m:r>
-                            <a:rPr lang="en-US" altLang="ja-JP" sz="1200" b="0" i="1" smtClean="0">
+                            <a:rPr lang="en-US" altLang="ja-JP" sz="1050" b="0" i="1" smtClean="0">
                               <a:latin typeface="Cambria Math"/>
                               <a:ea typeface="HG丸ｺﾞｼｯｸM-PRO" panose="020F0600000000000000" pitchFamily="50" charset="-128"/>
                               <a:cs typeface="Courier New" pitchFamily="49" charset="0"/>
@@ -2231,7 +2231,7 @@
                     </m:oMath>
                   </m:oMathPara>
                 </a14:m>
-                <a:endParaRPr lang="ja-JP" altLang="en-US" sz="1200">
+                <a:endParaRPr lang="ja-JP" altLang="en-US" sz="1050">
                   <a:latin typeface="HG丸ｺﾞｼｯｸM-PRO" panose="020F0600000000000000" pitchFamily="50" charset="-128"/>
                   <a:ea typeface="HG丸ｺﾞｼｯｸM-PRO" panose="020F0600000000000000" pitchFamily="50" charset="-128"/>
                   <a:cs typeface="Courier New" pitchFamily="49" charset="0"/>
@@ -2240,7 +2240,7 @@
             </p:txBody>
           </p:sp>
         </mc:Choice>
-        <mc:Fallback xmlns="">
+        <mc:Fallback>
           <p:sp>
             <p:nvSpPr>
               <p:cNvPr id="34" name="テキスト ボックス 33"/>
@@ -2252,7 +2252,7 @@
             <p:spPr>
               <a:xfrm>
                 <a:off x="654745" y="1185709"/>
-                <a:ext cx="335111" cy="228183"/>
+                <a:ext cx="302666" cy="205100"/>
               </a:xfrm>
               <a:prstGeom prst="rect">
                 <a:avLst/>
@@ -2260,7 +2260,7 @@
               <a:blipFill rotWithShape="1">
                 <a:blip r:embed="rId3"/>
                 <a:stretch>
-                  <a:fillRect b="-5405"/>
+                  <a:fillRect b="-6061"/>
                 </a:stretch>
               </a:blipFill>
               <a:ln w="19050" cap="rnd">
@@ -2283,8 +2283,8 @@
           </p:sp>
         </mc:Fallback>
       </mc:AlternateContent>
-      <mc:AlternateContent xmlns:mc="http://schemas.openxmlformats.org/markup-compatibility/2006" xmlns:a14="http://schemas.microsoft.com/office/drawing/2010/main">
-        <mc:Choice Requires="a14">
+      <mc:AlternateContent xmlns:mc="http://schemas.openxmlformats.org/markup-compatibility/2006">
+        <mc:Choice xmlns:a14="http://schemas.microsoft.com/office/drawing/2010/main" Requires="a14">
           <p:sp>
             <p:nvSpPr>
               <p:cNvPr id="40" name="正方形/長方形 39"/>
@@ -2337,7 +2337,7 @@
                       <m:sSub>
                         <m:sSubPr>
                           <m:ctrlPr>
-                            <a:rPr kumimoji="1" lang="en-US" altLang="ja-JP" sz="1000" b="0" i="1" smtClean="0">
+                            <a:rPr kumimoji="1" lang="en-US" altLang="ja-JP" sz="1050" b="0" i="1" smtClean="0">
                               <a:solidFill>
                                 <a:srgbClr val="000000"/>
                               </a:solidFill>
@@ -2348,17 +2348,20 @@
                         </m:sSubPr>
                         <m:e>
                           <m:r>
-                            <a:rPr kumimoji="1" lang="en-US" altLang="ja-JP" sz="1000" b="0" i="1" smtClean="0">
+                            <m:rPr>
+                              <m:sty m:val="p"/>
+                            </m:rPr>
+                            <a:rPr kumimoji="1" lang="en-US" altLang="ja-JP" sz="1050" b="0" i="0" smtClean="0">
                               <a:solidFill>
                                 <a:srgbClr val="000000"/>
                               </a:solidFill>
                               <a:latin typeface="Cambria Math"/>
                               <a:ea typeface="HG丸ｺﾞｼｯｸM-PRO" panose="020F0600000000000000" pitchFamily="50" charset="-128"/>
                             </a:rPr>
-                            <m:t>𝐸𝑛𝑐</m:t>
+                            <m:t>Enc</m:t>
                           </m:r>
                           <m:r>
-                            <a:rPr kumimoji="1" lang="en-US" altLang="ja-JP" sz="1000" b="0" i="1" smtClean="0">
+                            <a:rPr kumimoji="1" lang="en-US" altLang="ja-JP" sz="1050" b="0" i="1" smtClean="0">
                               <a:solidFill>
                                 <a:srgbClr val="000000"/>
                               </a:solidFill>
@@ -2368,7 +2371,7 @@
                             <m:t>(</m:t>
                           </m:r>
                           <m:r>
-                            <a:rPr kumimoji="1" lang="en-US" altLang="ja-JP" sz="1000" b="0" i="1" smtClean="0">
+                            <a:rPr kumimoji="1" lang="en-US" altLang="ja-JP" sz="1050" b="0" i="1" smtClean="0">
                               <a:solidFill>
                                 <a:srgbClr val="000000"/>
                               </a:solidFill>
@@ -2380,7 +2383,7 @@
                         </m:e>
                         <m:sub>
                           <m:r>
-                            <a:rPr kumimoji="1" lang="en-US" altLang="ja-JP" sz="1000" b="0" i="1" smtClean="0">
+                            <a:rPr kumimoji="1" lang="en-US" altLang="ja-JP" sz="1050" b="0" i="1" smtClean="0">
                               <a:solidFill>
                                 <a:srgbClr val="000000"/>
                               </a:solidFill>
@@ -2392,7 +2395,7 @@
                         </m:sub>
                       </m:sSub>
                       <m:r>
-                        <a:rPr kumimoji="1" lang="en-US" altLang="ja-JP" sz="1000" b="0" i="1" smtClean="0">
+                        <a:rPr kumimoji="1" lang="en-US" altLang="ja-JP" sz="1050" b="0" i="1" smtClean="0">
                           <a:solidFill>
                             <a:srgbClr val="000000"/>
                           </a:solidFill>
@@ -2404,7 +2407,7 @@
                     </m:oMath>
                   </m:oMathPara>
                 </a14:m>
-                <a:endParaRPr kumimoji="1" lang="ja-JP" altLang="en-US" sz="1000">
+                <a:endParaRPr kumimoji="1" lang="ja-JP" altLang="en-US" sz="1050">
                   <a:solidFill>
                     <a:srgbClr val="000000"/>
                   </a:solidFill>
@@ -2415,7 +2418,7 @@
             </p:txBody>
           </p:sp>
         </mc:Choice>
-        <mc:Fallback xmlns="">
+        <mc:Fallback>
           <p:sp>
             <p:nvSpPr>
               <p:cNvPr id="40" name="正方形/長方形 39"/>
@@ -2460,8 +2463,8 @@
           </p:sp>
         </mc:Fallback>
       </mc:AlternateContent>
-      <mc:AlternateContent xmlns:mc="http://schemas.openxmlformats.org/markup-compatibility/2006" xmlns:a14="http://schemas.microsoft.com/office/drawing/2010/main">
-        <mc:Choice Requires="a14">
+      <mc:AlternateContent xmlns:mc="http://schemas.openxmlformats.org/markup-compatibility/2006">
+        <mc:Choice xmlns:a14="http://schemas.microsoft.com/office/drawing/2010/main" Requires="a14">
           <p:sp>
             <p:nvSpPr>
               <p:cNvPr id="100" name="テキスト ボックス 99"/>
@@ -2471,7 +2474,7 @@
             <p:spPr>
               <a:xfrm>
                 <a:off x="1457971" y="1185709"/>
-                <a:ext cx="338701" cy="228183"/>
+                <a:ext cx="305808" cy="205100"/>
               </a:xfrm>
               <a:prstGeom prst="rect">
                 <a:avLst/>
@@ -2498,7 +2501,7 @@
                       <m:sSub>
                         <m:sSubPr>
                           <m:ctrlPr>
-                            <a:rPr lang="en-US" altLang="ja-JP" sz="1200" b="0" i="1" smtClean="0">
+                            <a:rPr lang="en-US" altLang="ja-JP" sz="1050" b="0" i="1" smtClean="0">
                               <a:latin typeface="Cambria Math"/>
                               <a:ea typeface="HG丸ｺﾞｼｯｸM-PRO" panose="020F0600000000000000" pitchFamily="50" charset="-128"/>
                               <a:cs typeface="Courier New" pitchFamily="49" charset="0"/>
@@ -2507,7 +2510,7 @@
                         </m:sSubPr>
                         <m:e>
                           <m:r>
-                            <a:rPr lang="en-US" altLang="ja-JP" sz="1200" b="0" i="1" smtClean="0">
+                            <a:rPr lang="en-US" altLang="ja-JP" sz="1050" b="0" i="1" smtClean="0">
                               <a:latin typeface="Cambria Math"/>
                               <a:ea typeface="HG丸ｺﾞｼｯｸM-PRO" panose="020F0600000000000000" pitchFamily="50" charset="-128"/>
                               <a:cs typeface="Courier New" pitchFamily="49" charset="0"/>
@@ -2517,7 +2520,7 @@
                         </m:e>
                         <m:sub>
                           <m:r>
-                            <a:rPr lang="en-US" altLang="ja-JP" sz="1200" b="0" i="1" smtClean="0">
+                            <a:rPr lang="en-US" altLang="ja-JP" sz="1050" b="0" i="1" smtClean="0">
                               <a:latin typeface="Cambria Math"/>
                               <a:ea typeface="HG丸ｺﾞｼｯｸM-PRO" panose="020F0600000000000000" pitchFamily="50" charset="-128"/>
                               <a:cs typeface="Courier New" pitchFamily="49" charset="0"/>
@@ -2529,7 +2532,7 @@
                     </m:oMath>
                   </m:oMathPara>
                 </a14:m>
-                <a:endParaRPr lang="ja-JP" altLang="en-US" sz="1200">
+                <a:endParaRPr lang="ja-JP" altLang="en-US" sz="1050">
                   <a:latin typeface="HG丸ｺﾞｼｯｸM-PRO" panose="020F0600000000000000" pitchFamily="50" charset="-128"/>
                   <a:ea typeface="HG丸ｺﾞｼｯｸM-PRO" panose="020F0600000000000000" pitchFamily="50" charset="-128"/>
                   <a:cs typeface="Courier New" pitchFamily="49" charset="0"/>
@@ -2538,7 +2541,7 @@
             </p:txBody>
           </p:sp>
         </mc:Choice>
-        <mc:Fallback xmlns="">
+        <mc:Fallback>
           <p:sp>
             <p:nvSpPr>
               <p:cNvPr id="100" name="テキスト ボックス 99"/>
@@ -2550,7 +2553,7 @@
             <p:spPr>
               <a:xfrm>
                 <a:off x="1457971" y="1185709"/>
-                <a:ext cx="338701" cy="228183"/>
+                <a:ext cx="305808" cy="205100"/>
               </a:xfrm>
               <a:prstGeom prst="rect">
                 <a:avLst/>
@@ -2558,7 +2561,7 @@
               <a:blipFill rotWithShape="1">
                 <a:blip r:embed="rId5"/>
                 <a:stretch>
-                  <a:fillRect b="-5405"/>
+                  <a:fillRect b="-6061"/>
                 </a:stretch>
               </a:blipFill>
               <a:ln w="19050" cap="rnd">
@@ -2581,8 +2584,8 @@
           </p:sp>
         </mc:Fallback>
       </mc:AlternateContent>
-      <mc:AlternateContent xmlns:mc="http://schemas.openxmlformats.org/markup-compatibility/2006" xmlns:a14="http://schemas.microsoft.com/office/drawing/2010/main">
-        <mc:Choice Requires="a14">
+      <mc:AlternateContent xmlns:mc="http://schemas.openxmlformats.org/markup-compatibility/2006">
+        <mc:Choice xmlns:a14="http://schemas.microsoft.com/office/drawing/2010/main" Requires="a14">
           <p:sp>
             <p:nvSpPr>
               <p:cNvPr id="101" name="正方形/長方形 100"/>
@@ -2635,7 +2638,7 @@
                       <m:sSub>
                         <m:sSubPr>
                           <m:ctrlPr>
-                            <a:rPr kumimoji="1" lang="en-US" altLang="ja-JP" sz="1000" b="0" i="1" smtClean="0">
+                            <a:rPr kumimoji="1" lang="en-US" altLang="ja-JP" sz="1050" b="0" i="1" smtClean="0">
                               <a:solidFill>
                                 <a:srgbClr val="000000"/>
                               </a:solidFill>
@@ -2646,17 +2649,20 @@
                         </m:sSubPr>
                         <m:e>
                           <m:r>
-                            <a:rPr kumimoji="1" lang="en-US" altLang="ja-JP" sz="1000" b="0" i="1" smtClean="0">
+                            <m:rPr>
+                              <m:sty m:val="p"/>
+                            </m:rPr>
+                            <a:rPr kumimoji="1" lang="en-US" altLang="ja-JP" sz="1050" b="0" i="0" smtClean="0">
                               <a:solidFill>
                                 <a:srgbClr val="000000"/>
                               </a:solidFill>
                               <a:latin typeface="Cambria Math"/>
                               <a:ea typeface="HG丸ｺﾞｼｯｸM-PRO" panose="020F0600000000000000" pitchFamily="50" charset="-128"/>
                             </a:rPr>
-                            <m:t>𝐸𝑛𝑐</m:t>
+                            <m:t>Enc</m:t>
                           </m:r>
                           <m:r>
-                            <a:rPr kumimoji="1" lang="en-US" altLang="ja-JP" sz="1000" b="0" i="1" smtClean="0">
+                            <a:rPr kumimoji="1" lang="en-US" altLang="ja-JP" sz="1050" b="0" i="1" smtClean="0">
                               <a:solidFill>
                                 <a:srgbClr val="000000"/>
                               </a:solidFill>
@@ -2666,7 +2672,7 @@
                             <m:t>(</m:t>
                           </m:r>
                           <m:r>
-                            <a:rPr kumimoji="1" lang="en-US" altLang="ja-JP" sz="1000" b="0" i="1" smtClean="0">
+                            <a:rPr kumimoji="1" lang="en-US" altLang="ja-JP" sz="1050" b="0" i="1" smtClean="0">
                               <a:solidFill>
                                 <a:srgbClr val="000000"/>
                               </a:solidFill>
@@ -2678,7 +2684,7 @@
                         </m:e>
                         <m:sub>
                           <m:r>
-                            <a:rPr kumimoji="1" lang="en-US" altLang="ja-JP" sz="1000" b="0" i="1" smtClean="0">
+                            <a:rPr kumimoji="1" lang="en-US" altLang="ja-JP" sz="1050" b="0" i="1" smtClean="0">
                               <a:solidFill>
                                 <a:srgbClr val="000000"/>
                               </a:solidFill>
@@ -2690,7 +2696,7 @@
                         </m:sub>
                       </m:sSub>
                       <m:r>
-                        <a:rPr kumimoji="1" lang="en-US" altLang="ja-JP" sz="1000" b="0" i="1" smtClean="0">
+                        <a:rPr kumimoji="1" lang="en-US" altLang="ja-JP" sz="1050" b="0" i="1" smtClean="0">
                           <a:solidFill>
                             <a:srgbClr val="000000"/>
                           </a:solidFill>
@@ -2702,7 +2708,7 @@
                     </m:oMath>
                   </m:oMathPara>
                 </a14:m>
-                <a:endParaRPr kumimoji="1" lang="ja-JP" altLang="en-US" sz="1000">
+                <a:endParaRPr kumimoji="1" lang="ja-JP" altLang="en-US" sz="1050">
                   <a:solidFill>
                     <a:srgbClr val="000000"/>
                   </a:solidFill>
@@ -2713,7 +2719,7 @@
             </p:txBody>
           </p:sp>
         </mc:Choice>
-        <mc:Fallback xmlns="">
+        <mc:Fallback>
           <p:sp>
             <p:nvSpPr>
               <p:cNvPr id="101" name="正方形/長方形 100"/>
@@ -2758,8 +2764,8 @@
           </p:sp>
         </mc:Fallback>
       </mc:AlternateContent>
-      <mc:AlternateContent xmlns:mc="http://schemas.openxmlformats.org/markup-compatibility/2006" xmlns:a14="http://schemas.microsoft.com/office/drawing/2010/main">
-        <mc:Choice Requires="a14">
+      <mc:AlternateContent xmlns:mc="http://schemas.openxmlformats.org/markup-compatibility/2006">
+        <mc:Choice xmlns:a14="http://schemas.microsoft.com/office/drawing/2010/main" Requires="a14">
           <p:sp>
             <p:nvSpPr>
               <p:cNvPr id="103" name="正方形/長方形 102"/>
@@ -2812,7 +2818,7 @@
                       <m:sSub>
                         <m:sSubPr>
                           <m:ctrlPr>
-                            <a:rPr kumimoji="1" lang="en-US" altLang="ja-JP" sz="1000" b="0" i="1" smtClean="0">
+                            <a:rPr kumimoji="1" lang="en-US" altLang="ja-JP" sz="1050" b="0" i="1" smtClean="0">
                               <a:solidFill>
                                 <a:srgbClr val="000000"/>
                               </a:solidFill>
@@ -2823,17 +2829,20 @@
                         </m:sSubPr>
                         <m:e>
                           <m:r>
-                            <a:rPr kumimoji="1" lang="en-US" altLang="ja-JP" sz="1000" b="0" i="1" smtClean="0">
+                            <m:rPr>
+                              <m:sty m:val="p"/>
+                            </m:rPr>
+                            <a:rPr kumimoji="1" lang="en-US" altLang="ja-JP" sz="1050" b="0" i="0" smtClean="0">
                               <a:solidFill>
                                 <a:srgbClr val="000000"/>
                               </a:solidFill>
                               <a:latin typeface="Cambria Math"/>
                               <a:ea typeface="HG丸ｺﾞｼｯｸM-PRO" panose="020F0600000000000000" pitchFamily="50" charset="-128"/>
                             </a:rPr>
-                            <m:t>𝐸𝑛𝑐</m:t>
+                            <m:t>Enc</m:t>
                           </m:r>
                           <m:r>
-                            <a:rPr kumimoji="1" lang="en-US" altLang="ja-JP" sz="1000" b="0" i="1" smtClean="0">
+                            <a:rPr kumimoji="1" lang="en-US" altLang="ja-JP" sz="1050" b="0" i="1" smtClean="0">
                               <a:solidFill>
                                 <a:srgbClr val="000000"/>
                               </a:solidFill>
@@ -2845,7 +2854,7 @@
                           <m:sSub>
                             <m:sSubPr>
                               <m:ctrlPr>
-                                <a:rPr kumimoji="1" lang="en-US" altLang="ja-JP" sz="1000" b="0" i="1" smtClean="0">
+                                <a:rPr kumimoji="1" lang="en-US" altLang="ja-JP" sz="1050" b="0" i="1" smtClean="0">
                                   <a:solidFill>
                                     <a:srgbClr val="000000"/>
                                   </a:solidFill>
@@ -2856,7 +2865,7 @@
                             </m:sSubPr>
                             <m:e>
                               <m:r>
-                                <a:rPr kumimoji="1" lang="en-US" altLang="ja-JP" sz="1000" b="0" i="1" smtClean="0">
+                                <a:rPr kumimoji="1" lang="en-US" altLang="ja-JP" sz="1050" b="0" i="1" smtClean="0">
                                   <a:solidFill>
                                     <a:srgbClr val="000000"/>
                                   </a:solidFill>
@@ -2868,7 +2877,7 @@
                             </m:e>
                             <m:sub>
                               <m:r>
-                                <a:rPr kumimoji="1" lang="en-US" altLang="ja-JP" sz="1000" b="0" i="1" smtClean="0">
+                                <a:rPr kumimoji="1" lang="en-US" altLang="ja-JP" sz="1050" b="0" i="1" smtClean="0">
                                   <a:solidFill>
                                     <a:srgbClr val="000000"/>
                                   </a:solidFill>
@@ -2880,7 +2889,7 @@
                             </m:sub>
                           </m:sSub>
                           <m:r>
-                            <a:rPr kumimoji="1" lang="en-US" altLang="ja-JP" sz="1000" b="0" i="1" smtClean="0">
+                            <a:rPr kumimoji="1" lang="en-US" altLang="ja-JP" sz="1050" b="0" i="1" smtClean="0">
                               <a:solidFill>
                                 <a:srgbClr val="000000"/>
                               </a:solidFill>
@@ -2890,7 +2899,7 @@
                             <m:t>+</m:t>
                           </m:r>
                           <m:r>
-                            <a:rPr kumimoji="1" lang="en-US" altLang="ja-JP" sz="1000" b="0" i="1" smtClean="0">
+                            <a:rPr kumimoji="1" lang="en-US" altLang="ja-JP" sz="1050" b="0" i="1" smtClean="0">
                               <a:solidFill>
                                 <a:srgbClr val="000000"/>
                               </a:solidFill>
@@ -2902,7 +2911,7 @@
                         </m:e>
                         <m:sub>
                           <m:r>
-                            <a:rPr kumimoji="1" lang="en-US" altLang="ja-JP" sz="1000" b="0" i="1" smtClean="0">
+                            <a:rPr kumimoji="1" lang="en-US" altLang="ja-JP" sz="1050" b="0" i="1" smtClean="0">
                               <a:solidFill>
                                 <a:srgbClr val="000000"/>
                               </a:solidFill>
@@ -2914,7 +2923,7 @@
                         </m:sub>
                       </m:sSub>
                       <m:r>
-                        <a:rPr kumimoji="1" lang="en-US" altLang="ja-JP" sz="1000" b="0" i="1" smtClean="0">
+                        <a:rPr kumimoji="1" lang="en-US" altLang="ja-JP" sz="1050" b="0" i="1" smtClean="0">
                           <a:solidFill>
                             <a:srgbClr val="000000"/>
                           </a:solidFill>
@@ -2926,7 +2935,7 @@
                     </m:oMath>
                   </m:oMathPara>
                 </a14:m>
-                <a:endParaRPr kumimoji="1" lang="ja-JP" altLang="en-US" sz="1000">
+                <a:endParaRPr kumimoji="1" lang="ja-JP" altLang="en-US" sz="1050">
                   <a:solidFill>
                     <a:srgbClr val="000000"/>
                   </a:solidFill>
@@ -2937,7 +2946,7 @@
             </p:txBody>
           </p:sp>
         </mc:Choice>
-        <mc:Fallback xmlns="">
+        <mc:Fallback>
           <p:sp>
             <p:nvSpPr>
               <p:cNvPr id="103" name="正方形/長方形 102"/>
@@ -2991,7 +3000,7 @@
         <p:spPr>
           <a:xfrm>
             <a:off x="1277888" y="981844"/>
-            <a:ext cx="2087577" cy="228183"/>
+            <a:ext cx="1837509" cy="205100"/>
           </a:xfrm>
           <a:prstGeom prst="rect">
             <a:avLst/>
@@ -3009,22 +3018,14 @@
           <a:lstStyle/>
           <a:p>
             <a:r>
-              <a:rPr lang="ja-JP" altLang="en-US" sz="1200" smtClean="0">
+              <a:rPr lang="ja-JP" altLang="en-US" sz="1050" smtClean="0">
                 <a:latin typeface="HG丸ｺﾞｼｯｸM-PRO" panose="020F0600000000000000" pitchFamily="50" charset="-128"/>
                 <a:ea typeface="HG丸ｺﾞｼｯｸM-PRO" panose="020F0600000000000000" pitchFamily="50" charset="-128"/>
                 <a:cs typeface="Courier New" pitchFamily="49" charset="0"/>
               </a:rPr>
-              <a:t>中身を知らないまま</a:t>
+              <a:t>中身を知らないまま操作する</a:t>
             </a:r>
-            <a:r>
-              <a:rPr lang="ja-JP" altLang="en-US" sz="1200" smtClean="0">
-                <a:latin typeface="HG丸ｺﾞｼｯｸM-PRO" panose="020F0600000000000000" pitchFamily="50" charset="-128"/>
-                <a:ea typeface="HG丸ｺﾞｼｯｸM-PRO" panose="020F0600000000000000" pitchFamily="50" charset="-128"/>
-                <a:cs typeface="Courier New" pitchFamily="49" charset="0"/>
-              </a:rPr>
-              <a:t>操作する</a:t>
-            </a:r>
-            <a:endParaRPr lang="ja-JP" altLang="en-US" sz="1200">
+            <a:endParaRPr lang="ja-JP" altLang="en-US" sz="1050">
               <a:latin typeface="HG丸ｺﾞｼｯｸM-PRO" panose="020F0600000000000000" pitchFamily="50" charset="-128"/>
               <a:ea typeface="HG丸ｺﾞｼｯｸM-PRO" panose="020F0600000000000000" pitchFamily="50" charset="-128"/>
               <a:cs typeface="Courier New" pitchFamily="49" charset="0"/>
@@ -3043,7 +3044,7 @@
             <p:spPr>
               <a:xfrm>
                 <a:off x="3011715" y="2277988"/>
-                <a:ext cx="714445" cy="228183"/>
+                <a:ext cx="632627" cy="205100"/>
               </a:xfrm>
               <a:prstGeom prst="rect">
                 <a:avLst/>
@@ -3070,7 +3071,7 @@
                       <m:sSub>
                         <m:sSubPr>
                           <m:ctrlPr>
-                            <a:rPr lang="en-US" altLang="ja-JP" sz="1200" b="0" i="1" smtClean="0">
+                            <a:rPr lang="en-US" altLang="ja-JP" sz="1050" b="0" i="1" smtClean="0">
                               <a:latin typeface="Cambria Math"/>
                               <a:ea typeface="HG丸ｺﾞｼｯｸM-PRO" panose="020F0600000000000000" pitchFamily="50" charset="-128"/>
                               <a:cs typeface="Courier New" pitchFamily="49" charset="0"/>
@@ -3079,7 +3080,7 @@
                         </m:sSubPr>
                         <m:e>
                           <m:r>
-                            <a:rPr lang="en-US" altLang="ja-JP" sz="1200" b="0" i="1" smtClean="0">
+                            <a:rPr lang="en-US" altLang="ja-JP" sz="1050" b="0" i="1" smtClean="0">
                               <a:latin typeface="Cambria Math"/>
                               <a:ea typeface="HG丸ｺﾞｼｯｸM-PRO" panose="020F0600000000000000" pitchFamily="50" charset="-128"/>
                               <a:cs typeface="Courier New" pitchFamily="49" charset="0"/>
@@ -3089,7 +3090,7 @@
                         </m:e>
                         <m:sub>
                           <m:r>
-                            <a:rPr lang="en-US" altLang="ja-JP" sz="1200" b="0" i="1" smtClean="0">
+                            <a:rPr lang="en-US" altLang="ja-JP" sz="1050" b="0" i="1" smtClean="0">
                               <a:latin typeface="Cambria Math"/>
                               <a:ea typeface="HG丸ｺﾞｼｯｸM-PRO" panose="020F0600000000000000" pitchFamily="50" charset="-128"/>
                               <a:cs typeface="Courier New" pitchFamily="49" charset="0"/>
@@ -3099,7 +3100,7 @@
                         </m:sub>
                       </m:sSub>
                       <m:r>
-                        <a:rPr lang="en-US" altLang="ja-JP" sz="1200" b="0" i="1" smtClean="0">
+                        <a:rPr lang="en-US" altLang="ja-JP" sz="1050" b="0" i="1" smtClean="0">
                           <a:latin typeface="Cambria Math"/>
                           <a:ea typeface="HG丸ｺﾞｼｯｸM-PRO" panose="020F0600000000000000" pitchFamily="50" charset="-128"/>
                           <a:cs typeface="Courier New" pitchFamily="49" charset="0"/>
@@ -3109,7 +3110,7 @@
                       <m:sSub>
                         <m:sSubPr>
                           <m:ctrlPr>
-                            <a:rPr lang="en-US" altLang="ja-JP" sz="1200" b="0" i="1" smtClean="0">
+                            <a:rPr lang="en-US" altLang="ja-JP" sz="1050" b="0" i="1" smtClean="0">
                               <a:latin typeface="Cambria Math"/>
                               <a:ea typeface="HG丸ｺﾞｼｯｸM-PRO" panose="020F0600000000000000" pitchFamily="50" charset="-128"/>
                               <a:cs typeface="Courier New" pitchFamily="49" charset="0"/>
@@ -3118,7 +3119,7 @@
                         </m:sSubPr>
                         <m:e>
                           <m:r>
-                            <a:rPr lang="en-US" altLang="ja-JP" sz="1200" b="0" i="1" smtClean="0">
+                            <a:rPr lang="en-US" altLang="ja-JP" sz="1050" b="0" i="1" smtClean="0">
                               <a:latin typeface="Cambria Math"/>
                               <a:ea typeface="HG丸ｺﾞｼｯｸM-PRO" panose="020F0600000000000000" pitchFamily="50" charset="-128"/>
                               <a:cs typeface="Courier New" pitchFamily="49" charset="0"/>
@@ -3128,7 +3129,7 @@
                         </m:e>
                         <m:sub>
                           <m:r>
-                            <a:rPr lang="en-US" altLang="ja-JP" sz="1200" b="0" i="1" smtClean="0">
+                            <a:rPr lang="en-US" altLang="ja-JP" sz="1050" b="0" i="1" smtClean="0">
                               <a:latin typeface="Cambria Math"/>
                               <a:ea typeface="HG丸ｺﾞｼｯｸM-PRO" panose="020F0600000000000000" pitchFamily="50" charset="-128"/>
                               <a:cs typeface="Courier New" pitchFamily="49" charset="0"/>
@@ -3140,7 +3141,7 @@
                     </m:oMath>
                   </m:oMathPara>
                 </a14:m>
-                <a:endParaRPr lang="ja-JP" altLang="en-US" sz="1200">
+                <a:endParaRPr lang="ja-JP" altLang="en-US" sz="1050">
                   <a:latin typeface="HG丸ｺﾞｼｯｸM-PRO" panose="020F0600000000000000" pitchFamily="50" charset="-128"/>
                   <a:ea typeface="HG丸ｺﾞｼｯｸM-PRO" panose="020F0600000000000000" pitchFamily="50" charset="-128"/>
                   <a:cs typeface="Courier New" pitchFamily="49" charset="0"/>
@@ -3161,7 +3162,7 @@
             <p:spPr>
               <a:xfrm>
                 <a:off x="3011715" y="2277988"/>
-                <a:ext cx="714445" cy="228183"/>
+                <a:ext cx="632627" cy="205100"/>
               </a:xfrm>
               <a:prstGeom prst="rect">
                 <a:avLst/>
@@ -3169,7 +3170,7 @@
               <a:blipFill rotWithShape="1">
                 <a:blip r:embed="rId8"/>
                 <a:stretch>
-                  <a:fillRect b="-5405"/>
+                  <a:fillRect b="-6061"/>
                 </a:stretch>
               </a:blipFill>
               <a:ln w="19050" cap="rnd">
@@ -3235,7 +3236,7 @@
           <a:lstStyle/>
           <a:p>
             <a:pPr algn="ctr"/>
-            <a:endParaRPr kumimoji="1" lang="ja-JP" altLang="en-US" sz="1200">
+            <a:endParaRPr kumimoji="1" lang="ja-JP" altLang="en-US" sz="1050">
               <a:solidFill>
                 <a:srgbClr val="000000"/>
               </a:solidFill>
@@ -3245,8 +3246,8 @@
           </a:p>
         </p:txBody>
       </p:sp>
-      <mc:AlternateContent xmlns:mc="http://schemas.openxmlformats.org/markup-compatibility/2006" xmlns:a14="http://schemas.microsoft.com/office/drawing/2010/main">
-        <mc:Choice Requires="a14">
+      <mc:AlternateContent xmlns:mc="http://schemas.openxmlformats.org/markup-compatibility/2006">
+        <mc:Choice xmlns:a14="http://schemas.microsoft.com/office/drawing/2010/main" Requires="a14">
           <p:sp>
             <p:nvSpPr>
               <p:cNvPr id="110" name="正方形/長方形 109"/>
@@ -3299,7 +3300,7 @@
                       <m:sSub>
                         <m:sSubPr>
                           <m:ctrlPr>
-                            <a:rPr kumimoji="1" lang="en-US" altLang="ja-JP" sz="1000" b="0" i="1" smtClean="0">
+                            <a:rPr kumimoji="1" lang="en-US" altLang="ja-JP" sz="1050" b="0" i="1" smtClean="0">
                               <a:solidFill>
                                 <a:srgbClr val="000000"/>
                               </a:solidFill>
@@ -3310,17 +3311,20 @@
                         </m:sSubPr>
                         <m:e>
                           <m:r>
-                            <a:rPr kumimoji="1" lang="en-US" altLang="ja-JP" sz="1000" b="0" i="1" smtClean="0">
+                            <m:rPr>
+                              <m:sty m:val="p"/>
+                            </m:rPr>
+                            <a:rPr kumimoji="1" lang="en-US" altLang="ja-JP" sz="1050" b="0" i="0" smtClean="0">
                               <a:solidFill>
                                 <a:srgbClr val="000000"/>
                               </a:solidFill>
                               <a:latin typeface="Cambria Math"/>
                               <a:ea typeface="HG丸ｺﾞｼｯｸM-PRO" panose="020F0600000000000000" pitchFamily="50" charset="-128"/>
                             </a:rPr>
-                            <m:t>𝐸𝑛𝑐</m:t>
+                            <m:t>Enc</m:t>
                           </m:r>
                           <m:r>
-                            <a:rPr kumimoji="1" lang="en-US" altLang="ja-JP" sz="1000" b="0" i="1" smtClean="0">
+                            <a:rPr kumimoji="1" lang="en-US" altLang="ja-JP" sz="1050" b="0" i="1" smtClean="0">
                               <a:solidFill>
                                 <a:srgbClr val="000000"/>
                               </a:solidFill>
@@ -3330,7 +3334,7 @@
                             <m:t>(</m:t>
                           </m:r>
                           <m:r>
-                            <a:rPr kumimoji="1" lang="en-US" altLang="ja-JP" sz="1000" b="0" i="1" smtClean="0">
+                            <a:rPr kumimoji="1" lang="en-US" altLang="ja-JP" sz="1050" b="0" i="1" smtClean="0">
                               <a:solidFill>
                                 <a:srgbClr val="000000"/>
                               </a:solidFill>
@@ -3342,7 +3346,7 @@
                         </m:e>
                         <m:sub>
                           <m:r>
-                            <a:rPr kumimoji="1" lang="en-US" altLang="ja-JP" sz="1000" b="0" i="1" smtClean="0">
+                            <a:rPr kumimoji="1" lang="en-US" altLang="ja-JP" sz="1050" b="0" i="1" smtClean="0">
                               <a:solidFill>
                                 <a:srgbClr val="000000"/>
                               </a:solidFill>
@@ -3354,7 +3358,7 @@
                         </m:sub>
                       </m:sSub>
                       <m:r>
-                        <a:rPr kumimoji="1" lang="en-US" altLang="ja-JP" sz="1000" b="0" i="1" smtClean="0">
+                        <a:rPr kumimoji="1" lang="en-US" altLang="ja-JP" sz="1050" b="0" i="1" smtClean="0">
                           <a:solidFill>
                             <a:srgbClr val="000000"/>
                           </a:solidFill>
@@ -3366,7 +3370,7 @@
                     </m:oMath>
                   </m:oMathPara>
                 </a14:m>
-                <a:endParaRPr kumimoji="1" lang="ja-JP" altLang="en-US" sz="1000">
+                <a:endParaRPr kumimoji="1" lang="ja-JP" altLang="en-US" sz="1050">
                   <a:solidFill>
                     <a:srgbClr val="000000"/>
                   </a:solidFill>
@@ -3377,7 +3381,7 @@
             </p:txBody>
           </p:sp>
         </mc:Choice>
-        <mc:Fallback xmlns="">
+        <mc:Fallback>
           <p:sp>
             <p:nvSpPr>
               <p:cNvPr id="110" name="正方形/長方形 109"/>
@@ -3397,7 +3401,7 @@
               <a:blipFill rotWithShape="1">
                 <a:blip r:embed="rId9"/>
                 <a:stretch>
-                  <a:fillRect b="-13889"/>
+                  <a:fillRect b="-16667"/>
                 </a:stretch>
               </a:blipFill>
               <a:ln w="6350">
@@ -3422,8 +3426,8 @@
           </p:sp>
         </mc:Fallback>
       </mc:AlternateContent>
-      <mc:AlternateContent xmlns:mc="http://schemas.openxmlformats.org/markup-compatibility/2006" xmlns:a14="http://schemas.microsoft.com/office/drawing/2010/main">
-        <mc:Choice Requires="a14">
+      <mc:AlternateContent xmlns:mc="http://schemas.openxmlformats.org/markup-compatibility/2006">
+        <mc:Choice xmlns:a14="http://schemas.microsoft.com/office/drawing/2010/main" Requires="a14">
           <p:sp>
             <p:nvSpPr>
               <p:cNvPr id="112" name="正方形/長方形 111"/>
@@ -3476,7 +3480,7 @@
                       <m:sSub>
                         <m:sSubPr>
                           <m:ctrlPr>
-                            <a:rPr kumimoji="1" lang="en-US" altLang="ja-JP" sz="1000" b="0" i="1" smtClean="0">
+                            <a:rPr kumimoji="1" lang="en-US" altLang="ja-JP" sz="1050" b="0" i="1" smtClean="0">
                               <a:solidFill>
                                 <a:srgbClr val="000000"/>
                               </a:solidFill>
@@ -3487,17 +3491,20 @@
                         </m:sSubPr>
                         <m:e>
                           <m:r>
-                            <a:rPr kumimoji="1" lang="en-US" altLang="ja-JP" sz="1000" b="0" i="1" smtClean="0">
+                            <m:rPr>
+                              <m:sty m:val="p"/>
+                            </m:rPr>
+                            <a:rPr kumimoji="1" lang="en-US" altLang="ja-JP" sz="1050" b="0" i="0" smtClean="0">
                               <a:solidFill>
                                 <a:srgbClr val="000000"/>
                               </a:solidFill>
                               <a:latin typeface="Cambria Math"/>
                               <a:ea typeface="HG丸ｺﾞｼｯｸM-PRO" panose="020F0600000000000000" pitchFamily="50" charset="-128"/>
                             </a:rPr>
-                            <m:t>𝐸𝑛𝑐</m:t>
+                            <m:t>Enc</m:t>
                           </m:r>
                           <m:r>
-                            <a:rPr kumimoji="1" lang="en-US" altLang="ja-JP" sz="1000" b="0" i="1" smtClean="0">
+                            <a:rPr kumimoji="1" lang="en-US" altLang="ja-JP" sz="1050" b="0" i="1" smtClean="0">
                               <a:solidFill>
                                 <a:srgbClr val="000000"/>
                               </a:solidFill>
@@ -3507,7 +3514,7 @@
                             <m:t>(</m:t>
                           </m:r>
                           <m:r>
-                            <a:rPr kumimoji="1" lang="en-US" altLang="ja-JP" sz="1000" b="0" i="1" smtClean="0">
+                            <a:rPr kumimoji="1" lang="en-US" altLang="ja-JP" sz="1050" b="0" i="1" smtClean="0">
                               <a:solidFill>
                                 <a:srgbClr val="000000"/>
                               </a:solidFill>
@@ -3519,7 +3526,7 @@
                         </m:e>
                         <m:sub>
                           <m:r>
-                            <a:rPr kumimoji="1" lang="en-US" altLang="ja-JP" sz="1000" b="0" i="1" smtClean="0">
+                            <a:rPr kumimoji="1" lang="en-US" altLang="ja-JP" sz="1050" b="0" i="1" smtClean="0">
                               <a:solidFill>
                                 <a:srgbClr val="000000"/>
                               </a:solidFill>
@@ -3531,7 +3538,7 @@
                         </m:sub>
                       </m:sSub>
                       <m:r>
-                        <a:rPr kumimoji="1" lang="en-US" altLang="ja-JP" sz="1000" b="0" i="1" smtClean="0">
+                        <a:rPr kumimoji="1" lang="en-US" altLang="ja-JP" sz="1050" b="0" i="1" smtClean="0">
                           <a:solidFill>
                             <a:srgbClr val="000000"/>
                           </a:solidFill>
@@ -3543,7 +3550,7 @@
                     </m:oMath>
                   </m:oMathPara>
                 </a14:m>
-                <a:endParaRPr kumimoji="1" lang="ja-JP" altLang="en-US" sz="1000">
+                <a:endParaRPr kumimoji="1" lang="ja-JP" altLang="en-US" sz="1050">
                   <a:solidFill>
                     <a:srgbClr val="000000"/>
                   </a:solidFill>
@@ -3554,7 +3561,7 @@
             </p:txBody>
           </p:sp>
         </mc:Choice>
-        <mc:Fallback xmlns="">
+        <mc:Fallback>
           <p:sp>
             <p:nvSpPr>
               <p:cNvPr id="112" name="正方形/長方形 111"/>
@@ -3574,7 +3581,7 @@
               <a:blipFill rotWithShape="1">
                 <a:blip r:embed="rId10"/>
                 <a:stretch>
-                  <a:fillRect b="-17647"/>
+                  <a:fillRect b="-20588"/>
                 </a:stretch>
               </a:blipFill>
               <a:ln w="6350">
@@ -3599,8 +3606,8 @@
           </p:sp>
         </mc:Fallback>
       </mc:AlternateContent>
-      <mc:AlternateContent xmlns:mc="http://schemas.openxmlformats.org/markup-compatibility/2006" xmlns:a14="http://schemas.microsoft.com/office/drawing/2010/main">
-        <mc:Choice Requires="a14">
+      <mc:AlternateContent xmlns:mc="http://schemas.openxmlformats.org/markup-compatibility/2006">
+        <mc:Choice xmlns:a14="http://schemas.microsoft.com/office/drawing/2010/main" Requires="a14">
           <p:sp>
             <p:nvSpPr>
               <p:cNvPr id="114" name="正方形/長方形 113"/>
@@ -3653,7 +3660,7 @@
                       <m:sSub>
                         <m:sSubPr>
                           <m:ctrlPr>
-                            <a:rPr kumimoji="1" lang="en-US" altLang="ja-JP" sz="1000" b="0" i="1" smtClean="0">
+                            <a:rPr kumimoji="1" lang="en-US" altLang="ja-JP" sz="1050" b="0" i="1" smtClean="0">
                               <a:solidFill>
                                 <a:srgbClr val="000000"/>
                               </a:solidFill>
@@ -3664,17 +3671,20 @@
                         </m:sSubPr>
                         <m:e>
                           <m:r>
-                            <a:rPr kumimoji="1" lang="en-US" altLang="ja-JP" sz="1000" b="0" i="1" smtClean="0">
+                            <m:rPr>
+                              <m:sty m:val="p"/>
+                            </m:rPr>
+                            <a:rPr kumimoji="1" lang="en-US" altLang="ja-JP" sz="1050" b="0" i="0" smtClean="0">
                               <a:solidFill>
                                 <a:srgbClr val="000000"/>
                               </a:solidFill>
                               <a:latin typeface="Cambria Math"/>
                               <a:ea typeface="HG丸ｺﾞｼｯｸM-PRO" panose="020F0600000000000000" pitchFamily="50" charset="-128"/>
                             </a:rPr>
-                            <m:t>𝐸𝑛𝑐</m:t>
+                            <m:t>Enc</m:t>
                           </m:r>
                           <m:r>
-                            <a:rPr kumimoji="1" lang="en-US" altLang="ja-JP" sz="1000" b="0" i="1" smtClean="0">
+                            <a:rPr kumimoji="1" lang="en-US" altLang="ja-JP" sz="1050" b="0" i="1" smtClean="0">
                               <a:solidFill>
                                 <a:srgbClr val="000000"/>
                               </a:solidFill>
@@ -3686,7 +3696,7 @@
                           <m:sSub>
                             <m:sSubPr>
                               <m:ctrlPr>
-                                <a:rPr kumimoji="1" lang="en-US" altLang="ja-JP" sz="1000" b="0" i="1" smtClean="0">
+                                <a:rPr kumimoji="1" lang="en-US" altLang="ja-JP" sz="1050" b="0" i="1" smtClean="0">
                                   <a:solidFill>
                                     <a:srgbClr val="000000"/>
                                   </a:solidFill>
@@ -3697,7 +3707,7 @@
                             </m:sSubPr>
                             <m:e>
                               <m:r>
-                                <a:rPr kumimoji="1" lang="en-US" altLang="ja-JP" sz="1000" b="0" i="1" smtClean="0">
+                                <a:rPr kumimoji="1" lang="en-US" altLang="ja-JP" sz="1050" b="0" i="1" smtClean="0">
                                   <a:solidFill>
                                     <a:srgbClr val="000000"/>
                                   </a:solidFill>
@@ -3709,7 +3719,7 @@
                             </m:e>
                             <m:sub>
                               <m:r>
-                                <a:rPr kumimoji="1" lang="en-US" altLang="ja-JP" sz="1000" b="0" i="1" smtClean="0">
+                                <a:rPr kumimoji="1" lang="en-US" altLang="ja-JP" sz="1050" b="0" i="1" smtClean="0">
                                   <a:solidFill>
                                     <a:srgbClr val="000000"/>
                                   </a:solidFill>
@@ -3721,7 +3731,7 @@
                             </m:sub>
                           </m:sSub>
                           <m:r>
-                            <a:rPr kumimoji="1" lang="en-US" altLang="ja-JP" sz="1000" b="0" i="1" smtClean="0">
+                            <a:rPr kumimoji="1" lang="en-US" altLang="ja-JP" sz="1050" b="0" i="1" smtClean="0">
                               <a:solidFill>
                                 <a:srgbClr val="000000"/>
                               </a:solidFill>
@@ -3731,7 +3741,7 @@
                             <m:t>×</m:t>
                           </m:r>
                           <m:r>
-                            <a:rPr kumimoji="1" lang="en-US" altLang="ja-JP" sz="1000" b="0" i="1" smtClean="0">
+                            <a:rPr kumimoji="1" lang="en-US" altLang="ja-JP" sz="1050" b="0" i="1" smtClean="0">
                               <a:solidFill>
                                 <a:srgbClr val="000000"/>
                               </a:solidFill>
@@ -3743,7 +3753,7 @@
                         </m:e>
                         <m:sub>
                           <m:r>
-                            <a:rPr kumimoji="1" lang="en-US" altLang="ja-JP" sz="1000" b="0" i="1" smtClean="0">
+                            <a:rPr kumimoji="1" lang="en-US" altLang="ja-JP" sz="1050" b="0" i="1" smtClean="0">
                               <a:solidFill>
                                 <a:srgbClr val="000000"/>
                               </a:solidFill>
@@ -3755,7 +3765,7 @@
                         </m:sub>
                       </m:sSub>
                       <m:r>
-                        <a:rPr kumimoji="1" lang="en-US" altLang="ja-JP" sz="1000" b="0" i="1" smtClean="0">
+                        <a:rPr kumimoji="1" lang="en-US" altLang="ja-JP" sz="1050" b="0" i="1" smtClean="0">
                           <a:solidFill>
                             <a:srgbClr val="000000"/>
                           </a:solidFill>
@@ -3767,7 +3777,7 @@
                     </m:oMath>
                   </m:oMathPara>
                 </a14:m>
-                <a:endParaRPr kumimoji="1" lang="ja-JP" altLang="en-US" sz="1000">
+                <a:endParaRPr kumimoji="1" lang="ja-JP" altLang="en-US" sz="1050">
                   <a:solidFill>
                     <a:srgbClr val="000000"/>
                   </a:solidFill>
@@ -3778,7 +3788,7 @@
             </p:txBody>
           </p:sp>
         </mc:Choice>
-        <mc:Fallback xmlns="">
+        <mc:Fallback>
           <p:sp>
             <p:nvSpPr>
               <p:cNvPr id="114" name="正方形/長方形 113"/>
@@ -3859,8 +3869,8 @@
           </a:fontRef>
         </p:style>
       </p:cxnSp>
-      <mc:AlternateContent xmlns:mc="http://schemas.openxmlformats.org/markup-compatibility/2006" xmlns:a14="http://schemas.microsoft.com/office/drawing/2010/main">
-        <mc:Choice Requires="a14">
+      <mc:AlternateContent xmlns:mc="http://schemas.openxmlformats.org/markup-compatibility/2006">
+        <mc:Choice xmlns:a14="http://schemas.microsoft.com/office/drawing/2010/main" Requires="a14">
           <p:sp>
             <p:nvSpPr>
               <p:cNvPr id="118" name="テキスト ボックス 117"/>
@@ -3870,7 +3880,7 @@
             <p:spPr>
               <a:xfrm>
                 <a:off x="2718048" y="1185709"/>
-                <a:ext cx="335111" cy="228183"/>
+                <a:ext cx="302666" cy="205100"/>
               </a:xfrm>
               <a:prstGeom prst="rect">
                 <a:avLst/>
@@ -3897,7 +3907,7 @@
                       <m:sSub>
                         <m:sSubPr>
                           <m:ctrlPr>
-                            <a:rPr lang="en-US" altLang="ja-JP" sz="1200" b="0" i="1" smtClean="0">
+                            <a:rPr lang="en-US" altLang="ja-JP" sz="1050" b="0" i="1" smtClean="0">
                               <a:latin typeface="Cambria Math"/>
                               <a:ea typeface="HG丸ｺﾞｼｯｸM-PRO" panose="020F0600000000000000" pitchFamily="50" charset="-128"/>
                               <a:cs typeface="Courier New" pitchFamily="49" charset="0"/>
@@ -3906,7 +3916,7 @@
                         </m:sSubPr>
                         <m:e>
                           <m:r>
-                            <a:rPr lang="en-US" altLang="ja-JP" sz="1200" b="0" i="1" smtClean="0">
+                            <a:rPr lang="en-US" altLang="ja-JP" sz="1050" b="0" i="1" smtClean="0">
                               <a:latin typeface="Cambria Math"/>
                               <a:ea typeface="HG丸ｺﾞｼｯｸM-PRO" panose="020F0600000000000000" pitchFamily="50" charset="-128"/>
                               <a:cs typeface="Courier New" pitchFamily="49" charset="0"/>
@@ -3916,7 +3926,7 @@
                         </m:e>
                         <m:sub>
                           <m:r>
-                            <a:rPr lang="en-US" altLang="ja-JP" sz="1200" b="0" i="1" smtClean="0">
+                            <a:rPr lang="en-US" altLang="ja-JP" sz="1050" b="0" i="1" smtClean="0">
                               <a:latin typeface="Cambria Math"/>
                               <a:ea typeface="HG丸ｺﾞｼｯｸM-PRO" panose="020F0600000000000000" pitchFamily="50" charset="-128"/>
                               <a:cs typeface="Courier New" pitchFamily="49" charset="0"/>
@@ -3928,7 +3938,7 @@
                     </m:oMath>
                   </m:oMathPara>
                 </a14:m>
-                <a:endParaRPr lang="ja-JP" altLang="en-US" sz="1200">
+                <a:endParaRPr lang="ja-JP" altLang="en-US" sz="1050">
                   <a:latin typeface="HG丸ｺﾞｼｯｸM-PRO" panose="020F0600000000000000" pitchFamily="50" charset="-128"/>
                   <a:ea typeface="HG丸ｺﾞｼｯｸM-PRO" panose="020F0600000000000000" pitchFamily="50" charset="-128"/>
                   <a:cs typeface="Courier New" pitchFamily="49" charset="0"/>
@@ -3937,7 +3947,7 @@
             </p:txBody>
           </p:sp>
         </mc:Choice>
-        <mc:Fallback xmlns="">
+        <mc:Fallback>
           <p:sp>
             <p:nvSpPr>
               <p:cNvPr id="118" name="テキスト ボックス 117"/>
@@ -3949,7 +3959,7 @@
             <p:spPr>
               <a:xfrm>
                 <a:off x="2718048" y="1185709"/>
-                <a:ext cx="335111" cy="228183"/>
+                <a:ext cx="302666" cy="205100"/>
               </a:xfrm>
               <a:prstGeom prst="rect">
                 <a:avLst/>
@@ -3957,7 +3967,7 @@
               <a:blipFill rotWithShape="1">
                 <a:blip r:embed="rId12"/>
                 <a:stretch>
-                  <a:fillRect b="-5405"/>
+                  <a:fillRect b="-6061"/>
                 </a:stretch>
               </a:blipFill>
               <a:ln w="19050" cap="rnd">
@@ -3980,8 +3990,8 @@
           </p:sp>
         </mc:Fallback>
       </mc:AlternateContent>
-      <mc:AlternateContent xmlns:mc="http://schemas.openxmlformats.org/markup-compatibility/2006" xmlns:a14="http://schemas.microsoft.com/office/drawing/2010/main">
-        <mc:Choice Requires="a14">
+      <mc:AlternateContent xmlns:mc="http://schemas.openxmlformats.org/markup-compatibility/2006">
+        <mc:Choice xmlns:a14="http://schemas.microsoft.com/office/drawing/2010/main" Requires="a14">
           <p:sp>
             <p:nvSpPr>
               <p:cNvPr id="119" name="テキスト ボックス 118"/>
@@ -3991,7 +4001,7 @@
             <p:spPr>
               <a:xfrm>
                 <a:off x="3654152" y="1185709"/>
-                <a:ext cx="338701" cy="228183"/>
+                <a:ext cx="305808" cy="205100"/>
               </a:xfrm>
               <a:prstGeom prst="rect">
                 <a:avLst/>
@@ -4018,7 +4028,7 @@
                       <m:sSub>
                         <m:sSubPr>
                           <m:ctrlPr>
-                            <a:rPr lang="en-US" altLang="ja-JP" sz="1200" b="0" i="1" smtClean="0">
+                            <a:rPr lang="en-US" altLang="ja-JP" sz="1050" b="0" i="1" smtClean="0">
                               <a:latin typeface="Cambria Math"/>
                               <a:ea typeface="HG丸ｺﾞｼｯｸM-PRO" panose="020F0600000000000000" pitchFamily="50" charset="-128"/>
                               <a:cs typeface="Courier New" pitchFamily="49" charset="0"/>
@@ -4027,7 +4037,7 @@
                         </m:sSubPr>
                         <m:e>
                           <m:r>
-                            <a:rPr lang="en-US" altLang="ja-JP" sz="1200" b="0" i="1" smtClean="0">
+                            <a:rPr lang="en-US" altLang="ja-JP" sz="1050" b="0" i="1" smtClean="0">
                               <a:latin typeface="Cambria Math"/>
                               <a:ea typeface="HG丸ｺﾞｼｯｸM-PRO" panose="020F0600000000000000" pitchFamily="50" charset="-128"/>
                               <a:cs typeface="Courier New" pitchFamily="49" charset="0"/>
@@ -4037,7 +4047,7 @@
                         </m:e>
                         <m:sub>
                           <m:r>
-                            <a:rPr lang="en-US" altLang="ja-JP" sz="1200" b="0" i="1" smtClean="0">
+                            <a:rPr lang="en-US" altLang="ja-JP" sz="1050" b="0" i="1" smtClean="0">
                               <a:latin typeface="Cambria Math"/>
                               <a:ea typeface="HG丸ｺﾞｼｯｸM-PRO" panose="020F0600000000000000" pitchFamily="50" charset="-128"/>
                               <a:cs typeface="Courier New" pitchFamily="49" charset="0"/>
@@ -4049,7 +4059,7 @@
                     </m:oMath>
                   </m:oMathPara>
                 </a14:m>
-                <a:endParaRPr lang="ja-JP" altLang="en-US" sz="1200">
+                <a:endParaRPr lang="ja-JP" altLang="en-US" sz="1050">
                   <a:latin typeface="HG丸ｺﾞｼｯｸM-PRO" panose="020F0600000000000000" pitchFamily="50" charset="-128"/>
                   <a:ea typeface="HG丸ｺﾞｼｯｸM-PRO" panose="020F0600000000000000" pitchFamily="50" charset="-128"/>
                   <a:cs typeface="Courier New" pitchFamily="49" charset="0"/>
@@ -4058,7 +4068,7 @@
             </p:txBody>
           </p:sp>
         </mc:Choice>
-        <mc:Fallback xmlns="">
+        <mc:Fallback>
           <p:sp>
             <p:nvSpPr>
               <p:cNvPr id="119" name="テキスト ボックス 118"/>
@@ -4070,7 +4080,7 @@
             <p:spPr>
               <a:xfrm>
                 <a:off x="3654152" y="1185709"/>
-                <a:ext cx="338701" cy="228183"/>
+                <a:ext cx="305808" cy="205100"/>
               </a:xfrm>
               <a:prstGeom prst="rect">
                 <a:avLst/>
@@ -4078,7 +4088,7 @@
               <a:blipFill rotWithShape="1">
                 <a:blip r:embed="rId13"/>
                 <a:stretch>
-                  <a:fillRect b="-5405"/>
+                  <a:fillRect b="-6061"/>
                 </a:stretch>
               </a:blipFill>
               <a:ln w="19050" cap="rnd">
@@ -4110,7 +4120,7 @@
         <p:spPr>
           <a:xfrm>
             <a:off x="989856" y="1749614"/>
-            <a:ext cx="394806" cy="228183"/>
+            <a:ext cx="356334" cy="205100"/>
           </a:xfrm>
           <a:prstGeom prst="rect">
             <a:avLst/>
@@ -4128,14 +4138,14 @@
           <a:lstStyle/>
           <a:p>
             <a:r>
-              <a:rPr lang="ja-JP" altLang="en-US" sz="1200" smtClean="0">
+              <a:rPr lang="ja-JP" altLang="en-US" sz="1050" smtClean="0">
                 <a:latin typeface="HG丸ｺﾞｼｯｸM-PRO" panose="020F0600000000000000" pitchFamily="50" charset="-128"/>
                 <a:ea typeface="HG丸ｺﾞｼｯｸM-PRO" panose="020F0600000000000000" pitchFamily="50" charset="-128"/>
                 <a:cs typeface="Courier New" pitchFamily="49" charset="0"/>
               </a:rPr>
               <a:t>加算</a:t>
             </a:r>
-            <a:endParaRPr lang="ja-JP" altLang="en-US" sz="1200">
+            <a:endParaRPr lang="ja-JP" altLang="en-US" sz="1050">
               <a:latin typeface="HG丸ｺﾞｼｯｸM-PRO" panose="020F0600000000000000" pitchFamily="50" charset="-128"/>
               <a:ea typeface="HG丸ｺﾞｼｯｸM-PRO" panose="020F0600000000000000" pitchFamily="50" charset="-128"/>
               <a:cs typeface="Courier New" pitchFamily="49" charset="0"/>
@@ -4260,7 +4270,7 @@
         <p:spPr>
           <a:xfrm>
             <a:off x="3150096" y="1749614"/>
-            <a:ext cx="394806" cy="228183"/>
+            <a:ext cx="356334" cy="205100"/>
           </a:xfrm>
           <a:prstGeom prst="rect">
             <a:avLst/>
@@ -4278,14 +4288,14 @@
           <a:lstStyle/>
           <a:p>
             <a:r>
-              <a:rPr lang="ja-JP" altLang="en-US" sz="1200" smtClean="0">
+              <a:rPr lang="ja-JP" altLang="en-US" sz="1050" smtClean="0">
                 <a:latin typeface="HG丸ｺﾞｼｯｸM-PRO" panose="020F0600000000000000" pitchFamily="50" charset="-128"/>
                 <a:ea typeface="HG丸ｺﾞｼｯｸM-PRO" panose="020F0600000000000000" pitchFamily="50" charset="-128"/>
                 <a:cs typeface="Courier New" pitchFamily="49" charset="0"/>
               </a:rPr>
               <a:t>乗算</a:t>
             </a:r>
-            <a:endParaRPr lang="ja-JP" altLang="en-US" sz="1200">
+            <a:endParaRPr lang="ja-JP" altLang="en-US" sz="1050">
               <a:latin typeface="HG丸ｺﾞｼｯｸM-PRO" panose="020F0600000000000000" pitchFamily="50" charset="-128"/>
               <a:ea typeface="HG丸ｺﾞｼｯｸM-PRO" panose="020F0600000000000000" pitchFamily="50" charset="-128"/>
               <a:cs typeface="Courier New" pitchFamily="49" charset="0"/>
